--- a/dia_1/dia1.pptx
+++ b/dia_1/dia1.pptx
@@ -109,6 +109,11 @@
       </a:defRPr>
     </a:lvl9pPr>
   </p:defaultTextStyle>
+  <p:extLst>
+    <p:ext uri="{EFAFB233-063F-42B5-8137-9DF3F51BA10A}">
+      <p15:sldGuideLst xmlns:p15="http://schemas.microsoft.com/office/powerpoint/2012/main"/>
+    </p:ext>
+  </p:extLst>
 </p:presentation>
 </file>
 
@@ -5874,6 +5879,90 @@
           </a:p>
         </p:txBody>
       </p:sp>
+      <p:pic>
+        <p:nvPicPr>
+          <p:cNvPr id="4" name="Imagen 3"/>
+          <p:cNvPicPr>
+            <a:picLocks noChangeAspect="1"/>
+          </p:cNvPicPr>
+          <p:nvPr/>
+        </p:nvPicPr>
+        <p:blipFill>
+          <a:blip r:embed="rId2" cstate="print">
+            <a:extLst>
+              <a:ext uri="{28A0092B-C50C-407E-A947-70E740481C1C}">
+                <a14:useLocalDpi xmlns:a14="http://schemas.microsoft.com/office/drawing/2010/main" val="0"/>
+              </a:ext>
+            </a:extLst>
+          </a:blip>
+          <a:stretch>
+            <a:fillRect/>
+          </a:stretch>
+        </p:blipFill>
+        <p:spPr>
+          <a:xfrm>
+            <a:off x="0" y="4900625"/>
+            <a:ext cx="1965960" cy="1965960"/>
+          </a:xfrm>
+          <a:prstGeom prst="rect">
+            <a:avLst/>
+          </a:prstGeom>
+        </p:spPr>
+      </p:pic>
+      <p:pic>
+        <p:nvPicPr>
+          <p:cNvPr id="1026" name="Picture 2" descr="sapui5 · GitLab"/>
+          <p:cNvPicPr>
+            <a:picLocks noChangeAspect="1" noChangeArrowheads="1"/>
+          </p:cNvPicPr>
+          <p:nvPr/>
+        </p:nvPicPr>
+        <p:blipFill>
+          <a:blip r:embed="rId3">
+            <a:extLst>
+              <a:ext uri="{28A0092B-C50C-407E-A947-70E740481C1C}">
+                <a14:useLocalDpi xmlns:a14="http://schemas.microsoft.com/office/drawing/2010/main" val="0"/>
+              </a:ext>
+            </a:extLst>
+          </a:blip>
+          <a:srcRect/>
+          <a:stretch>
+            <a:fillRect/>
+          </a:stretch>
+        </p:blipFill>
+        <p:spPr bwMode="auto">
+          <a:xfrm>
+            <a:off x="2308469" y="1773548"/>
+            <a:ext cx="2734537" cy="2802901"/>
+          </a:xfrm>
+          <a:prstGeom prst="rect">
+            <a:avLst/>
+          </a:prstGeom>
+          <a:ln w="38100" cap="sq">
+            <a:solidFill>
+              <a:srgbClr val="000000"/>
+            </a:solidFill>
+            <a:prstDash val="solid"/>
+            <a:miter lim="800000"/>
+          </a:ln>
+          <a:effectLst>
+            <a:outerShdw blurRad="50800" dist="38100" dir="5400000" algn="t" rotWithShape="0">
+              <a:prstClr val="black">
+                <a:alpha val="40000"/>
+              </a:prstClr>
+            </a:outerShdw>
+          </a:effectLst>
+          <a:extLst>
+            <a:ext uri="{909E8E84-426E-40DD-AFC4-6F175D3DCCD1}">
+              <a14:hiddenFill xmlns:a14="http://schemas.microsoft.com/office/drawing/2010/main">
+                <a:solidFill>
+                  <a:srgbClr val="FFFFFF"/>
+                </a:solidFill>
+              </a14:hiddenFill>
+            </a:ext>
+          </a:extLst>
+        </p:spPr>
+      </p:pic>
     </p:spTree>
     <p:extLst>
       <p:ext uri="{BB962C8B-B14F-4D97-AF65-F5344CB8AC3E}">
@@ -6257,6 +6346,36 @@
               </a14:hiddenFill>
             </a:ext>
           </a:extLst>
+        </p:spPr>
+      </p:pic>
+      <p:pic>
+        <p:nvPicPr>
+          <p:cNvPr id="11" name="Imagen 10"/>
+          <p:cNvPicPr>
+            <a:picLocks noChangeAspect="1"/>
+          </p:cNvPicPr>
+          <p:nvPr/>
+        </p:nvPicPr>
+        <p:blipFill>
+          <a:blip r:embed="rId6" cstate="print">
+            <a:extLst>
+              <a:ext uri="{28A0092B-C50C-407E-A947-70E740481C1C}">
+                <a14:useLocalDpi xmlns:a14="http://schemas.microsoft.com/office/drawing/2010/main" val="0"/>
+              </a:ext>
+            </a:extLst>
+          </a:blip>
+          <a:stretch>
+            <a:fillRect/>
+          </a:stretch>
+        </p:blipFill>
+        <p:spPr>
+          <a:xfrm>
+            <a:off x="0" y="5943600"/>
+            <a:ext cx="914400" cy="914400"/>
+          </a:xfrm>
+          <a:prstGeom prst="rect">
+            <a:avLst/>
+          </a:prstGeom>
         </p:spPr>
       </p:pic>
     </p:spTree>
@@ -6680,6 +6799,36 @@
           </a:p>
         </p:txBody>
       </p:sp>
+      <p:pic>
+        <p:nvPicPr>
+          <p:cNvPr id="16" name="Imagen 15"/>
+          <p:cNvPicPr>
+            <a:picLocks noChangeAspect="1"/>
+          </p:cNvPicPr>
+          <p:nvPr/>
+        </p:nvPicPr>
+        <p:blipFill>
+          <a:blip r:embed="rId3" cstate="print">
+            <a:extLst>
+              <a:ext uri="{28A0092B-C50C-407E-A947-70E740481C1C}">
+                <a14:useLocalDpi xmlns:a14="http://schemas.microsoft.com/office/drawing/2010/main" val="0"/>
+              </a:ext>
+            </a:extLst>
+          </a:blip>
+          <a:stretch>
+            <a:fillRect/>
+          </a:stretch>
+        </p:blipFill>
+        <p:spPr>
+          <a:xfrm>
+            <a:off x="0" y="5943600"/>
+            <a:ext cx="914400" cy="914400"/>
+          </a:xfrm>
+          <a:prstGeom prst="rect">
+            <a:avLst/>
+          </a:prstGeom>
+        </p:spPr>
+      </p:pic>
     </p:spTree>
     <p:extLst>
       <p:ext uri="{BB962C8B-B14F-4D97-AF65-F5344CB8AC3E}">
@@ -6849,6 +6998,36 @@
           </a:p>
         </p:txBody>
       </p:sp>
+      <p:pic>
+        <p:nvPicPr>
+          <p:cNvPr id="6" name="Imagen 5"/>
+          <p:cNvPicPr>
+            <a:picLocks noChangeAspect="1"/>
+          </p:cNvPicPr>
+          <p:nvPr/>
+        </p:nvPicPr>
+        <p:blipFill>
+          <a:blip r:embed="rId3" cstate="print">
+            <a:extLst>
+              <a:ext uri="{28A0092B-C50C-407E-A947-70E740481C1C}">
+                <a14:useLocalDpi xmlns:a14="http://schemas.microsoft.com/office/drawing/2010/main" val="0"/>
+              </a:ext>
+            </a:extLst>
+          </a:blip>
+          <a:stretch>
+            <a:fillRect/>
+          </a:stretch>
+        </p:blipFill>
+        <p:spPr>
+          <a:xfrm>
+            <a:off x="0" y="5943600"/>
+            <a:ext cx="914400" cy="914400"/>
+          </a:xfrm>
+          <a:prstGeom prst="rect">
+            <a:avLst/>
+          </a:prstGeom>
+        </p:spPr>
+      </p:pic>
     </p:spTree>
     <p:extLst>
       <p:ext uri="{BB962C8B-B14F-4D97-AF65-F5344CB8AC3E}">
@@ -6932,6 +7111,90 @@
           </a:p>
         </p:txBody>
       </p:sp>
+      <p:pic>
+        <p:nvPicPr>
+          <p:cNvPr id="4" name="Imagen 3"/>
+          <p:cNvPicPr>
+            <a:picLocks noChangeAspect="1"/>
+          </p:cNvPicPr>
+          <p:nvPr/>
+        </p:nvPicPr>
+        <p:blipFill>
+          <a:blip r:embed="rId2" cstate="print">
+            <a:extLst>
+              <a:ext uri="{28A0092B-C50C-407E-A947-70E740481C1C}">
+                <a14:useLocalDpi xmlns:a14="http://schemas.microsoft.com/office/drawing/2010/main" val="0"/>
+              </a:ext>
+            </a:extLst>
+          </a:blip>
+          <a:stretch>
+            <a:fillRect/>
+          </a:stretch>
+        </p:blipFill>
+        <p:spPr>
+          <a:xfrm>
+            <a:off x="0" y="4892040"/>
+            <a:ext cx="1965960" cy="1965960"/>
+          </a:xfrm>
+          <a:prstGeom prst="rect">
+            <a:avLst/>
+          </a:prstGeom>
+        </p:spPr>
+      </p:pic>
+      <p:pic>
+        <p:nvPicPr>
+          <p:cNvPr id="5" name="Picture 2" descr="sapui5 · GitLab"/>
+          <p:cNvPicPr>
+            <a:picLocks noChangeAspect="1" noChangeArrowheads="1"/>
+          </p:cNvPicPr>
+          <p:nvPr/>
+        </p:nvPicPr>
+        <p:blipFill>
+          <a:blip r:embed="rId3">
+            <a:extLst>
+              <a:ext uri="{28A0092B-C50C-407E-A947-70E740481C1C}">
+                <a14:useLocalDpi xmlns:a14="http://schemas.microsoft.com/office/drawing/2010/main" val="0"/>
+              </a:ext>
+            </a:extLst>
+          </a:blip>
+          <a:srcRect/>
+          <a:stretch>
+            <a:fillRect/>
+          </a:stretch>
+        </p:blipFill>
+        <p:spPr bwMode="auto">
+          <a:xfrm>
+            <a:off x="2308469" y="1773548"/>
+            <a:ext cx="2734537" cy="2802901"/>
+          </a:xfrm>
+          <a:prstGeom prst="rect">
+            <a:avLst/>
+          </a:prstGeom>
+          <a:ln w="38100" cap="sq">
+            <a:solidFill>
+              <a:srgbClr val="000000"/>
+            </a:solidFill>
+            <a:prstDash val="solid"/>
+            <a:miter lim="800000"/>
+          </a:ln>
+          <a:effectLst>
+            <a:outerShdw blurRad="50800" dist="38100" dir="5400000" algn="t" rotWithShape="0">
+              <a:prstClr val="black">
+                <a:alpha val="40000"/>
+              </a:prstClr>
+            </a:outerShdw>
+          </a:effectLst>
+          <a:extLst>
+            <a:ext uri="{909E8E84-426E-40DD-AFC4-6F175D3DCCD1}">
+              <a14:hiddenFill xmlns:a14="http://schemas.microsoft.com/office/drawing/2010/main">
+                <a:solidFill>
+                  <a:srgbClr val="FFFFFF"/>
+                </a:solidFill>
+              </a14:hiddenFill>
+            </a:ext>
+          </a:extLst>
+        </p:spPr>
+      </p:pic>
     </p:spTree>
     <p:extLst>
       <p:ext uri="{BB962C8B-B14F-4D97-AF65-F5344CB8AC3E}">
@@ -7010,6 +7273,36 @@
           <a:xfrm>
             <a:off x="4945981" y="375486"/>
             <a:ext cx="2781300" cy="6267450"/>
+          </a:xfrm>
+          <a:prstGeom prst="rect">
+            <a:avLst/>
+          </a:prstGeom>
+        </p:spPr>
+      </p:pic>
+      <p:pic>
+        <p:nvPicPr>
+          <p:cNvPr id="4" name="Imagen 3"/>
+          <p:cNvPicPr>
+            <a:picLocks noChangeAspect="1"/>
+          </p:cNvPicPr>
+          <p:nvPr/>
+        </p:nvPicPr>
+        <p:blipFill>
+          <a:blip r:embed="rId3" cstate="print">
+            <a:extLst>
+              <a:ext uri="{28A0092B-C50C-407E-A947-70E740481C1C}">
+                <a14:useLocalDpi xmlns:a14="http://schemas.microsoft.com/office/drawing/2010/main" val="0"/>
+              </a:ext>
+            </a:extLst>
+          </a:blip>
+          <a:stretch>
+            <a:fillRect/>
+          </a:stretch>
+        </p:blipFill>
+        <p:spPr>
+          <a:xfrm>
+            <a:off x="0" y="5943600"/>
+            <a:ext cx="914400" cy="914400"/>
           </a:xfrm>
           <a:prstGeom prst="rect">
             <a:avLst/>
